--- a/datatypes.pptx
+++ b/datatypes.pptx
@@ -246,18 +246,18 @@
   <pc:docChgLst>
     <pc:chgData name="Lim, Krisha" userId="d6b91ba6-cd94-4226-a7ac-204f415fadfd" providerId="ADAL" clId="{45BEE380-8D51-4304-8295-DEB3289D1ABB}"/>
     <pc:docChg chg="undo custSel addSld delSld modSld">
-      <pc:chgData name="Lim, Krisha" userId="d6b91ba6-cd94-4226-a7ac-204f415fadfd" providerId="ADAL" clId="{45BEE380-8D51-4304-8295-DEB3289D1ABB}" dt="2022-04-26T02:32:26.143" v="3303" actId="20577"/>
+      <pc:chgData name="Lim, Krisha" userId="d6b91ba6-cd94-4226-a7ac-204f415fadfd" providerId="ADAL" clId="{45BEE380-8D51-4304-8295-DEB3289D1ABB}" dt="2022-04-26T02:38:36.957" v="3355" actId="20577"/>
       <pc:docMkLst>
         <pc:docMk/>
       </pc:docMkLst>
       <pc:sldChg chg="modSp">
-        <pc:chgData name="Lim, Krisha" userId="d6b91ba6-cd94-4226-a7ac-204f415fadfd" providerId="ADAL" clId="{45BEE380-8D51-4304-8295-DEB3289D1ABB}" dt="2022-04-26T02:24:54.524" v="3251" actId="20577"/>
+        <pc:chgData name="Lim, Krisha" userId="d6b91ba6-cd94-4226-a7ac-204f415fadfd" providerId="ADAL" clId="{45BEE380-8D51-4304-8295-DEB3289D1ABB}" dt="2022-04-26T02:38:36.957" v="3355" actId="20577"/>
         <pc:sldMkLst>
           <pc:docMk/>
           <pc:sldMk cId="4280536678" sldId="268"/>
         </pc:sldMkLst>
         <pc:spChg chg="mod">
-          <ac:chgData name="Lim, Krisha" userId="d6b91ba6-cd94-4226-a7ac-204f415fadfd" providerId="ADAL" clId="{45BEE380-8D51-4304-8295-DEB3289D1ABB}" dt="2022-04-26T02:24:54.524" v="3251" actId="20577"/>
+          <ac:chgData name="Lim, Krisha" userId="d6b91ba6-cd94-4226-a7ac-204f415fadfd" providerId="ADAL" clId="{45BEE380-8D51-4304-8295-DEB3289D1ABB}" dt="2022-04-26T02:38:36.957" v="3355" actId="20577"/>
           <ac:spMkLst>
             <pc:docMk/>
             <pc:sldMk cId="4280536678" sldId="268"/>
@@ -9145,13 +9145,13 @@
           <a:p>
             <a:r>
               <a:rPr lang="en-US"/>
-              <a:t>To know different data types available in R and the commands to inspect them</a:t>
+              <a:t>To know different data types and structures available in R and the commands to inspect them</a:t>
             </a:r>
           </a:p>
           <a:p>
             <a:r>
               <a:rPr lang="en-US"/>
-              <a:t>To convert data types (e.g., numeric to character)</a:t>
+              <a:t>To convert various data types (e.g., numeric to character)</a:t>
             </a:r>
           </a:p>
           <a:p>
@@ -9163,7 +9163,7 @@
           <a:p>
             <a:r>
               <a:rPr lang="en-US"/>
-              <a:t>To know how to subset or extract elements from vectors, matrices, dataframes</a:t>
+              <a:t>To know how to create, inspect, and extract elements from vectors, matrices, dataframes</a:t>
             </a:r>
             <a:endParaRPr lang="en-CA"/>
           </a:p>
@@ -16057,12 +16057,6 @@
 </file>
 
 <file path=customXml/item1.xml><?xml version="1.0" encoding="utf-8"?>
-<p:properties xmlns:p="http://schemas.microsoft.com/office/2006/metadata/properties" xmlns:xsi="http://www.w3.org/2001/XMLSchema-instance" xmlns:pc="http://schemas.microsoft.com/office/infopath/2007/PartnerControls">
-  <documentManagement/>
-</p:properties>
-</file>
-
-<file path=customXml/item2.xml><?xml version="1.0" encoding="utf-8"?>
 <ct:contentTypeSchema xmlns:ct="http://schemas.microsoft.com/office/2006/metadata/contentType" xmlns:ma="http://schemas.microsoft.com/office/2006/metadata/properties/metaAttributes" ct:_="" ma:_="" ma:contentTypeName="Document" ma:contentTypeID="0x010100483727557648AA40B029C215891F95C5" ma:contentTypeVersion="13" ma:contentTypeDescription="Create a new document." ma:contentTypeScope="" ma:versionID="f9c1f9c074c44b116b34834c7362056f">
   <xsd:schema xmlns:xsd="http://www.w3.org/2001/XMLSchema" xmlns:xs="http://www.w3.org/2001/XMLSchema" xmlns:p="http://schemas.microsoft.com/office/2006/metadata/properties" xmlns:ns3="8c008993-a31f-4b40-b1f3-88dd9c6e1924" xmlns:ns4="360018dd-41eb-4458-b1d4-4b46a95a2b02" targetNamespace="http://schemas.microsoft.com/office/2006/metadata/properties" ma:root="true" ma:fieldsID="26a0d335bfb451ccb1adb2eb906b39be" ns3:_="" ns4:_="">
     <xsd:import namespace="8c008993-a31f-4b40-b1f3-88dd9c6e1924"/>
@@ -16285,7 +16279,7 @@
 </ct:contentTypeSchema>
 </file>
 
-<file path=customXml/item3.xml><?xml version="1.0" encoding="utf-8"?>
+<file path=customXml/item2.xml><?xml version="1.0" encoding="utf-8"?>
 <?mso-contentType ?>
 <FormTemplates xmlns="http://schemas.microsoft.com/sharepoint/v3/contenttype/forms">
   <Display>DocumentLibraryForm</Display>
@@ -16294,24 +16288,13 @@
 </FormTemplates>
 </file>
 
-<file path=customXml/itemProps1.xml><?xml version="1.0" encoding="utf-8"?>
-<ds:datastoreItem xmlns:ds="http://schemas.openxmlformats.org/officeDocument/2006/customXml" ds:itemID="{0BC61450-A6C7-4B9E-8A35-363D171F642A}">
-  <ds:schemaRefs>
-    <ds:schemaRef ds:uri="http://www.w3.org/XML/1998/namespace"/>
-    <ds:schemaRef ds:uri="http://purl.org/dc/terms/"/>
-    <ds:schemaRef ds:uri="http://purl.org/dc/dcmitype/"/>
-    <ds:schemaRef ds:uri="http://schemas.openxmlformats.org/package/2006/metadata/core-properties"/>
-    <ds:schemaRef ds:uri="http://schemas.microsoft.com/office/2006/documentManagement/types"/>
-    <ds:schemaRef ds:uri="http://schemas.microsoft.com/office/2006/metadata/properties"/>
-    <ds:schemaRef ds:uri="http://schemas.microsoft.com/office/infopath/2007/PartnerControls"/>
-    <ds:schemaRef ds:uri="360018dd-41eb-4458-b1d4-4b46a95a2b02"/>
-    <ds:schemaRef ds:uri="8c008993-a31f-4b40-b1f3-88dd9c6e1924"/>
-    <ds:schemaRef ds:uri="http://purl.org/dc/elements/1.1/"/>
-  </ds:schemaRefs>
-</ds:datastoreItem>
+<file path=customXml/item3.xml><?xml version="1.0" encoding="utf-8"?>
+<p:properties xmlns:p="http://schemas.microsoft.com/office/2006/metadata/properties" xmlns:xsi="http://www.w3.org/2001/XMLSchema-instance" xmlns:pc="http://schemas.microsoft.com/office/infopath/2007/PartnerControls">
+  <documentManagement/>
+</p:properties>
 </file>
 
-<file path=customXml/itemProps2.xml><?xml version="1.0" encoding="utf-8"?>
+<file path=customXml/itemProps1.xml><?xml version="1.0" encoding="utf-8"?>
 <ds:datastoreItem xmlns:ds="http://schemas.openxmlformats.org/officeDocument/2006/customXml" ds:itemID="{E3397878-EB3C-4787-8E63-431DDDC1CD2C}">
   <ds:schemaRefs>
     <ds:schemaRef ds:uri="http://schemas.microsoft.com/office/2006/metadata/contentType"/>
@@ -16330,10 +16313,27 @@
 </ds:datastoreItem>
 </file>
 
-<file path=customXml/itemProps3.xml><?xml version="1.0" encoding="utf-8"?>
+<file path=customXml/itemProps2.xml><?xml version="1.0" encoding="utf-8"?>
 <ds:datastoreItem xmlns:ds="http://schemas.openxmlformats.org/officeDocument/2006/customXml" ds:itemID="{A05228BE-D149-4A3F-9BCA-DE0727ADDA9D}">
   <ds:schemaRefs>
     <ds:schemaRef ds:uri="http://schemas.microsoft.com/sharepoint/v3/contenttype/forms"/>
   </ds:schemaRefs>
 </ds:datastoreItem>
+</file>
+
+<file path=customXml/itemProps3.xml><?xml version="1.0" encoding="utf-8"?>
+<ds:datastoreItem xmlns:ds="http://schemas.openxmlformats.org/officeDocument/2006/customXml" ds:itemID="{0BC61450-A6C7-4B9E-8A35-363D171F642A}">
+  <ds:schemaRefs>
+    <ds:schemaRef ds:uri="http://www.w3.org/XML/1998/namespace"/>
+    <ds:schemaRef ds:uri="http://schemas.openxmlformats.org/package/2006/metadata/core-properties"/>
+    <ds:schemaRef ds:uri="http://purl.org/dc/dcmitype/"/>
+    <ds:schemaRef ds:uri="8c008993-a31f-4b40-b1f3-88dd9c6e1924"/>
+    <ds:schemaRef ds:uri="http://schemas.microsoft.com/office/2006/documentManagement/types"/>
+    <ds:schemaRef ds:uri="360018dd-41eb-4458-b1d4-4b46a95a2b02"/>
+    <ds:schemaRef ds:uri="http://purl.org/dc/elements/1.1/"/>
+    <ds:schemaRef ds:uri="http://schemas.microsoft.com/office/infopath/2007/PartnerControls"/>
+    <ds:schemaRef ds:uri="http://schemas.microsoft.com/office/2006/metadata/properties"/>
+    <ds:schemaRef ds:uri="http://purl.org/dc/terms/"/>
+  </ds:schemaRefs>
+</ds:datastoreItem>
 </file>